--- a/Apresentação.pptx
+++ b/Apresentação.pptx
@@ -203,7 +203,7 @@
             <a:fld id="{D84F23E0-4FB7-4DFA-BA86-1D03E5E646CC}" type="datetimeFigureOut">
               <a:rPr lang="en-US" smtClean="0"/>
               <a:pPr/>
-              <a:t>5/28/2016</a:t>
+              <a:t>6/5/2016</a:t>
             </a:fld>
             <a:endParaRPr lang="en-US"/>
           </a:p>
@@ -1389,7 +1389,7 @@
             <a:fld id="{1D8BD707-D9CF-40AE-B4C6-C98DA3205C09}" type="datetimeFigureOut">
               <a:rPr lang="en-US" smtClean="0"/>
               <a:pPr/>
-              <a:t>5/28/2016</a:t>
+              <a:t>6/5/2016</a:t>
             </a:fld>
             <a:endParaRPr lang="en-US"/>
           </a:p>
@@ -1556,7 +1556,7 @@
             <a:fld id="{1D8BD707-D9CF-40AE-B4C6-C98DA3205C09}" type="datetimeFigureOut">
               <a:rPr lang="en-US" smtClean="0"/>
               <a:pPr/>
-              <a:t>5/28/2016</a:t>
+              <a:t>6/5/2016</a:t>
             </a:fld>
             <a:endParaRPr lang="en-US"/>
           </a:p>
@@ -1733,7 +1733,7 @@
             <a:fld id="{1D8BD707-D9CF-40AE-B4C6-C98DA3205C09}" type="datetimeFigureOut">
               <a:rPr lang="en-US" smtClean="0"/>
               <a:pPr/>
-              <a:t>5/28/2016</a:t>
+              <a:t>6/5/2016</a:t>
             </a:fld>
             <a:endParaRPr lang="en-US"/>
           </a:p>
@@ -1900,7 +1900,7 @@
             <a:fld id="{1D8BD707-D9CF-40AE-B4C6-C98DA3205C09}" type="datetimeFigureOut">
               <a:rPr lang="en-US" smtClean="0"/>
               <a:pPr/>
-              <a:t>5/28/2016</a:t>
+              <a:t>6/5/2016</a:t>
             </a:fld>
             <a:endParaRPr lang="en-US"/>
           </a:p>
@@ -2143,7 +2143,7 @@
             <a:fld id="{1D8BD707-D9CF-40AE-B4C6-C98DA3205C09}" type="datetimeFigureOut">
               <a:rPr lang="en-US" smtClean="0"/>
               <a:pPr/>
-              <a:t>5/28/2016</a:t>
+              <a:t>6/5/2016</a:t>
             </a:fld>
             <a:endParaRPr lang="en-US"/>
           </a:p>
@@ -2428,7 +2428,7 @@
             <a:fld id="{1D8BD707-D9CF-40AE-B4C6-C98DA3205C09}" type="datetimeFigureOut">
               <a:rPr lang="en-US" smtClean="0"/>
               <a:pPr/>
-              <a:t>5/28/2016</a:t>
+              <a:t>6/5/2016</a:t>
             </a:fld>
             <a:endParaRPr lang="en-US"/>
           </a:p>
@@ -2847,7 +2847,7 @@
             <a:fld id="{1D8BD707-D9CF-40AE-B4C6-C98DA3205C09}" type="datetimeFigureOut">
               <a:rPr lang="en-US" smtClean="0"/>
               <a:pPr/>
-              <a:t>5/28/2016</a:t>
+              <a:t>6/5/2016</a:t>
             </a:fld>
             <a:endParaRPr lang="en-US"/>
           </a:p>
@@ -2962,7 +2962,7 @@
             <a:fld id="{1D8BD707-D9CF-40AE-B4C6-C98DA3205C09}" type="datetimeFigureOut">
               <a:rPr lang="en-US" smtClean="0"/>
               <a:pPr/>
-              <a:t>5/28/2016</a:t>
+              <a:t>6/5/2016</a:t>
             </a:fld>
             <a:endParaRPr lang="en-US"/>
           </a:p>
@@ -3054,7 +3054,7 @@
             <a:fld id="{1D8BD707-D9CF-40AE-B4C6-C98DA3205C09}" type="datetimeFigureOut">
               <a:rPr lang="en-US" smtClean="0"/>
               <a:pPr/>
-              <a:t>5/28/2016</a:t>
+              <a:t>6/5/2016</a:t>
             </a:fld>
             <a:endParaRPr lang="en-US"/>
           </a:p>
@@ -3328,7 +3328,7 @@
             <a:fld id="{1D8BD707-D9CF-40AE-B4C6-C98DA3205C09}" type="datetimeFigureOut">
               <a:rPr lang="en-US" smtClean="0"/>
               <a:pPr/>
-              <a:t>5/28/2016</a:t>
+              <a:t>6/5/2016</a:t>
             </a:fld>
             <a:endParaRPr lang="en-US"/>
           </a:p>
@@ -3578,7 +3578,7 @@
             <a:fld id="{1D8BD707-D9CF-40AE-B4C6-C98DA3205C09}" type="datetimeFigureOut">
               <a:rPr lang="en-US" smtClean="0"/>
               <a:pPr/>
-              <a:t>5/28/2016</a:t>
+              <a:t>6/5/2016</a:t>
             </a:fld>
             <a:endParaRPr lang="en-US"/>
           </a:p>
@@ -3788,7 +3788,7 @@
             <a:fld id="{1D8BD707-D9CF-40AE-B4C6-C98DA3205C09}" type="datetimeFigureOut">
               <a:rPr lang="en-US" smtClean="0"/>
               <a:pPr/>
-              <a:t>5/28/2016</a:t>
+              <a:t>6/5/2016</a:t>
             </a:fld>
             <a:endParaRPr lang="en-US"/>
           </a:p>
@@ -4369,16 +4369,33 @@
             </a:r>
             <a:r>
               <a:rPr lang="pt-BR" sz="2800" dirty="0" smtClean="0"/>
-              <a:t> e o </a:t>
+              <a:t>, </a:t>
+            </a:r>
+            <a:r>
+              <a:rPr lang="pt-BR" sz="2800" dirty="0" smtClean="0"/>
+              <a:t>o </a:t>
             </a:r>
             <a:r>
               <a:rPr lang="pt-BR" sz="2800" b="1" dirty="0" smtClean="0"/>
-              <a:t>Vizinho mais próximo</a:t>
+              <a:t>Vizinho mais </a:t>
+            </a:r>
+            <a:r>
+              <a:rPr lang="pt-BR" sz="2800" b="1" dirty="0" smtClean="0"/>
+              <a:t>próximo </a:t>
+            </a:r>
+            <a:r>
+              <a:rPr lang="pt-BR" sz="2800" dirty="0" smtClean="0"/>
+              <a:t>e uma experiência com a </a:t>
+            </a:r>
+            <a:r>
+              <a:rPr lang="pt-BR" sz="2800" b="1" dirty="0" smtClean="0"/>
+              <a:t>Árvore de Decisão</a:t>
             </a:r>
             <a:r>
               <a:rPr lang="pt-BR" sz="2800" dirty="0" smtClean="0"/>
               <a:t>.</a:t>
             </a:r>
+            <a:endParaRPr lang="pt-BR" sz="2800" dirty="0" smtClean="0"/>
           </a:p>
           <a:p>
             <a:pPr>
@@ -5064,7 +5081,23 @@
           <a:p>
             <a:r>
               <a:rPr lang="pt-BR" sz="2800" dirty="0" smtClean="0"/>
-              <a:t>Cerca de 1 homem em 36 morrerá de câncer de próstata.</a:t>
+              <a:t>Cerca de </a:t>
+            </a:r>
+            <a:r>
+              <a:rPr lang="pt-BR" sz="2800" dirty="0" smtClean="0"/>
+              <a:t>3 </a:t>
+            </a:r>
+            <a:r>
+              <a:rPr lang="pt-BR" sz="2800" dirty="0" smtClean="0"/>
+              <a:t>homem em </a:t>
+            </a:r>
+            <a:r>
+              <a:rPr lang="pt-BR" sz="2800" dirty="0" smtClean="0"/>
+              <a:t>100 morrem </a:t>
+            </a:r>
+            <a:r>
+              <a:rPr lang="pt-BR" sz="2800" dirty="0" smtClean="0"/>
+              <a:t>de câncer de próstata.</a:t>
             </a:r>
             <a:endParaRPr lang="en-US" sz="2800" dirty="0"/>
           </a:p>
@@ -6271,11 +6304,7 @@
             </a:r>
             <a:r>
               <a:rPr lang="pt-BR" sz="2400" dirty="0" smtClean="0"/>
-              <a:t>É </a:t>
-            </a:r>
-            <a:r>
-              <a:rPr lang="pt-BR" sz="2400" dirty="0" smtClean="0"/>
-              <a:t>uma sub-fase da </a:t>
+              <a:t>É uma sub-fase da </a:t>
             </a:r>
             <a:r>
               <a:rPr lang="pt-BR" sz="2400" b="1" dirty="0" smtClean="0"/>
@@ -6285,7 +6314,6 @@
               <a:rPr lang="pt-BR" sz="2400" dirty="0" smtClean="0"/>
               <a:t> (fase em </a:t>
             </a:r>
-            <a:endParaRPr lang="pt-BR" sz="2400" dirty="0" smtClean="0"/>
           </a:p>
           <a:p>
             <a:pPr>
@@ -6293,21 +6321,8 @@
             </a:pPr>
             <a:r>
               <a:rPr lang="pt-BR" sz="2400" dirty="0" smtClean="0"/>
-              <a:t> </a:t>
-            </a:r>
-            <a:r>
-              <a:rPr lang="pt-BR" sz="2400" dirty="0" smtClean="0"/>
-              <a:t>    </a:t>
-            </a:r>
-            <a:r>
-              <a:rPr lang="pt-BR" sz="2400" dirty="0" smtClean="0"/>
-              <a:t>que </a:t>
-            </a:r>
-            <a:r>
-              <a:rPr lang="pt-BR" sz="2400" dirty="0" smtClean="0"/>
-              <a:t>a celula copia o DNA para a realização </a:t>
-            </a:r>
-            <a:endParaRPr lang="pt-BR" sz="2400" dirty="0" smtClean="0"/>
+              <a:t>     que a celula copia o DNA para a realização </a:t>
+            </a:r>
           </a:p>
           <a:p>
             <a:pPr>
@@ -6315,15 +6330,7 @@
             </a:pPr>
             <a:r>
               <a:rPr lang="pt-BR" sz="2400" dirty="0" smtClean="0"/>
-              <a:t> </a:t>
-            </a:r>
-            <a:r>
-              <a:rPr lang="pt-BR" sz="2400" dirty="0" smtClean="0"/>
-              <a:t>    </a:t>
-            </a:r>
-            <a:r>
-              <a:rPr lang="pt-BR" sz="2400" dirty="0" smtClean="0"/>
-              <a:t>da </a:t>
+              <a:t>     da </a:t>
             </a:r>
             <a:r>
               <a:rPr lang="pt-BR" sz="2400" b="1" dirty="0" smtClean="0"/>
